--- a/Shalaev.pptx
+++ b/Shalaev.pptx
@@ -250,7 +250,7 @@
           <a:p>
             <a:fld id="{F89B0F7B-28AC-4FA3-8BDC-BBCDF7F7C4FB}" type="datetimeFigureOut">
               <a:rPr lang="ru-RU" smtClean="0"/>
-              <a:t>19.09.2023</a:t>
+              <a:t>27.11.2023</a:t>
             </a:fld>
             <a:endParaRPr lang="ru-RU"/>
           </a:p>
@@ -418,7 +418,7 @@
           <a:p>
             <a:fld id="{F89B0F7B-28AC-4FA3-8BDC-BBCDF7F7C4FB}" type="datetimeFigureOut">
               <a:rPr lang="ru-RU" smtClean="0"/>
-              <a:t>19.09.2023</a:t>
+              <a:t>27.11.2023</a:t>
             </a:fld>
             <a:endParaRPr lang="ru-RU"/>
           </a:p>
@@ -596,7 +596,7 @@
           <a:p>
             <a:fld id="{F89B0F7B-28AC-4FA3-8BDC-BBCDF7F7C4FB}" type="datetimeFigureOut">
               <a:rPr lang="ru-RU" smtClean="0"/>
-              <a:t>19.09.2023</a:t>
+              <a:t>27.11.2023</a:t>
             </a:fld>
             <a:endParaRPr lang="ru-RU"/>
           </a:p>
@@ -764,7 +764,7 @@
           <a:p>
             <a:fld id="{F89B0F7B-28AC-4FA3-8BDC-BBCDF7F7C4FB}" type="datetimeFigureOut">
               <a:rPr lang="ru-RU" smtClean="0"/>
-              <a:t>19.09.2023</a:t>
+              <a:t>27.11.2023</a:t>
             </a:fld>
             <a:endParaRPr lang="ru-RU"/>
           </a:p>
@@ -1009,7 +1009,7 @@
           <a:p>
             <a:fld id="{F89B0F7B-28AC-4FA3-8BDC-BBCDF7F7C4FB}" type="datetimeFigureOut">
               <a:rPr lang="ru-RU" smtClean="0"/>
-              <a:t>19.09.2023</a:t>
+              <a:t>27.11.2023</a:t>
             </a:fld>
             <a:endParaRPr lang="ru-RU"/>
           </a:p>
@@ -1238,7 +1238,7 @@
           <a:p>
             <a:fld id="{F89B0F7B-28AC-4FA3-8BDC-BBCDF7F7C4FB}" type="datetimeFigureOut">
               <a:rPr lang="ru-RU" smtClean="0"/>
-              <a:t>19.09.2023</a:t>
+              <a:t>27.11.2023</a:t>
             </a:fld>
             <a:endParaRPr lang="ru-RU"/>
           </a:p>
@@ -1602,7 +1602,7 @@
           <a:p>
             <a:fld id="{F89B0F7B-28AC-4FA3-8BDC-BBCDF7F7C4FB}" type="datetimeFigureOut">
               <a:rPr lang="ru-RU" smtClean="0"/>
-              <a:t>19.09.2023</a:t>
+              <a:t>27.11.2023</a:t>
             </a:fld>
             <a:endParaRPr lang="ru-RU"/>
           </a:p>
@@ -1719,7 +1719,7 @@
           <a:p>
             <a:fld id="{F89B0F7B-28AC-4FA3-8BDC-BBCDF7F7C4FB}" type="datetimeFigureOut">
               <a:rPr lang="ru-RU" smtClean="0"/>
-              <a:t>19.09.2023</a:t>
+              <a:t>27.11.2023</a:t>
             </a:fld>
             <a:endParaRPr lang="ru-RU"/>
           </a:p>
@@ -1814,7 +1814,7 @@
           <a:p>
             <a:fld id="{F89B0F7B-28AC-4FA3-8BDC-BBCDF7F7C4FB}" type="datetimeFigureOut">
               <a:rPr lang="ru-RU" smtClean="0"/>
-              <a:t>19.09.2023</a:t>
+              <a:t>27.11.2023</a:t>
             </a:fld>
             <a:endParaRPr lang="ru-RU"/>
           </a:p>
@@ -2089,7 +2089,7 @@
           <a:p>
             <a:fld id="{F89B0F7B-28AC-4FA3-8BDC-BBCDF7F7C4FB}" type="datetimeFigureOut">
               <a:rPr lang="ru-RU" smtClean="0"/>
-              <a:t>19.09.2023</a:t>
+              <a:t>27.11.2023</a:t>
             </a:fld>
             <a:endParaRPr lang="ru-RU"/>
           </a:p>
@@ -2341,7 +2341,7 @@
           <a:p>
             <a:fld id="{F89B0F7B-28AC-4FA3-8BDC-BBCDF7F7C4FB}" type="datetimeFigureOut">
               <a:rPr lang="ru-RU" smtClean="0"/>
-              <a:t>19.09.2023</a:t>
+              <a:t>27.11.2023</a:t>
             </a:fld>
             <a:endParaRPr lang="ru-RU"/>
           </a:p>
@@ -2552,7 +2552,7 @@
           <a:p>
             <a:fld id="{F89B0F7B-28AC-4FA3-8BDC-BBCDF7F7C4FB}" type="datetimeFigureOut">
               <a:rPr lang="ru-RU" smtClean="0"/>
-              <a:t>19.09.2023</a:t>
+              <a:t>27.11.2023</a:t>
             </a:fld>
             <a:endParaRPr lang="ru-RU"/>
           </a:p>
@@ -2999,7 +2999,7 @@
         <p:spPr>
           <a:xfrm>
             <a:off x="1609090" y="3051155"/>
-            <a:ext cx="9177020" cy="1754326"/>
+            <a:ext cx="9177020" cy="1200329"/>
           </a:xfrm>
           <a:prstGeom prst="rect">
             <a:avLst/>
@@ -3018,7 +3018,7 @@
                 <a:latin typeface="Times New Roman" panose="02020603050405020304" pitchFamily="18" charset="0"/>
                 <a:cs typeface="Times New Roman" panose="02020603050405020304" pitchFamily="18" charset="0"/>
               </a:rPr>
-              <a:t>Разработка кроссплатформенного программного средства криптографической защиты информации</a:t>
+              <a:t>Приложение для анализа спортивных событий</a:t>
             </a:r>
             <a:endParaRPr lang="ru-RU" sz="3600" dirty="0">
               <a:latin typeface="Times New Roman" panose="02020603050405020304" pitchFamily="18" charset="0"/>
